--- a/Poster.pptx
+++ b/Poster.pptx
@@ -288,7 +288,7 @@
       </p15:notesGuideLst>
     </p:ext>
     <p:ext uri="http://customooxmlschemas.google.com/">
-      <go:slidesCustomData xmlns:go="http://customooxmlschemas.google.com/" r:id="rId10" roundtripDataSignature="AMtx7mjE865ZfvNJhIu1mcoupq7tCUadRA=="/>
+      <go:slidesCustomData xmlns:go="http://customooxmlschemas.google.com/" r:id="rId10" roundtripDataSignature="AMtx7mgRsejOAwiDld3heMU4Of+CzsVjGQ=="/>
     </p:ext>
   </p:extLst>
 </p:presentation>
@@ -7944,7 +7944,7 @@
             <a:tbl>
               <a:tblPr bandRow="1" firstRow="1">
                 <a:noFill/>
-                <a:tableStyleId>{FF746D0F-7A41-4EE3-8599-207B30500716}</a:tableStyleId>
+                <a:tableStyleId>{53737F0F-121C-482B-BCFD-95BA902BD88B}</a:tableStyleId>
               </a:tblPr>
               <a:tblGrid>
                 <a:gridCol w="5385100"/>
@@ -9418,7 +9418,7 @@
             <a:tbl>
               <a:tblPr bandRow="1" firstRow="1">
                 <a:noFill/>
-                <a:tableStyleId>{FF746D0F-7A41-4EE3-8599-207B30500716}</a:tableStyleId>
+                <a:tableStyleId>{53737F0F-121C-482B-BCFD-95BA902BD88B}</a:tableStyleId>
               </a:tblPr>
               <a:tblGrid>
                 <a:gridCol w="4947325"/>
@@ -14078,7 +14078,7 @@
         <p:spPr>
           <a:xfrm>
             <a:off x="15586866" y="17735478"/>
-            <a:ext cx="14289300" cy="883200"/>
+            <a:ext cx="14289300" cy="1745100"/>
           </a:xfrm>
           <a:prstGeom prst="rect">
             <a:avLst/>
@@ -14108,7 +14108,8 @@
               <a:buNone/>
             </a:pPr>
             <a:r>
-              <a:t/>
+              <a:rPr lang="en-US"/>
+              <a:t>При развертывании ПО биотерминала мы столкнулись с рядом проблем в работе лог-паса и сертефикатов сервера nginx, но благодаря хорошей командной работе мы быстро с ними справились.</a:t>
             </a:r>
             <a:endParaRPr/>
           </a:p>
@@ -14125,7 +14126,7 @@
         <p:spPr>
           <a:xfrm>
             <a:off x="517391" y="17775713"/>
-            <a:ext cx="14300400" cy="883200"/>
+            <a:ext cx="14300400" cy="1745100"/>
           </a:xfrm>
           <a:prstGeom prst="rect">
             <a:avLst/>
@@ -14155,7 +14156,8 @@
               <a:buNone/>
             </a:pPr>
             <a:r>
-              <a:t/>
+              <a:rPr lang="en-US"/>
+              <a:t>Модель угроз разрабатывалась на протяжении всего проекта и, в итоге, стала крайне валидной моделью ёмко отражающей все угрозы и их релевантность в отношении биотерминала.</a:t>
             </a:r>
             <a:endParaRPr/>
           </a:p>
@@ -14236,6 +14238,258 @@
           <a:noFill/>
           <a:ln>
             <a:noFill/>
+          </a:ln>
+        </p:spPr>
+      </p:pic>
+      <p:pic>
+        <p:nvPicPr>
+          <p:cNvPr id="84" name="Google Shape;84;p1"/>
+          <p:cNvPicPr preferRelativeResize="0"/>
+          <p:nvPr/>
+        </p:nvPicPr>
+        <p:blipFill>
+          <a:blip r:embed="rId8">
+            <a:alphaModFix/>
+          </a:blip>
+          <a:stretch>
+            <a:fillRect/>
+          </a:stretch>
+        </p:blipFill>
+        <p:spPr>
+          <a:xfrm>
+            <a:off x="474600" y="19985600"/>
+            <a:ext cx="5373751" cy="6202025"/>
+          </a:xfrm>
+          <a:prstGeom prst="rect">
+            <a:avLst/>
+          </a:prstGeom>
+          <a:noFill/>
+          <a:ln cap="flat" cmpd="sng" w="38100">
+            <a:solidFill>
+              <a:schemeClr val="accent1"/>
+            </a:solidFill>
+            <a:prstDash val="solid"/>
+            <a:round/>
+            <a:headEnd len="sm" w="sm" type="none"/>
+            <a:tailEnd len="sm" w="sm" type="none"/>
+          </a:ln>
+        </p:spPr>
+      </p:pic>
+      <p:pic>
+        <p:nvPicPr>
+          <p:cNvPr id="85" name="Google Shape;85;p1"/>
+          <p:cNvPicPr preferRelativeResize="0"/>
+          <p:nvPr/>
+        </p:nvPicPr>
+        <p:blipFill>
+          <a:blip r:embed="rId9">
+            <a:alphaModFix/>
+          </a:blip>
+          <a:stretch>
+            <a:fillRect/>
+          </a:stretch>
+        </p:blipFill>
+        <p:spPr>
+          <a:xfrm>
+            <a:off x="419100" y="26367249"/>
+            <a:ext cx="14549401" cy="4217731"/>
+          </a:xfrm>
+          <a:prstGeom prst="rect">
+            <a:avLst/>
+          </a:prstGeom>
+          <a:noFill/>
+          <a:ln cap="flat" cmpd="sng" w="38100">
+            <a:solidFill>
+              <a:schemeClr val="accent1"/>
+            </a:solidFill>
+            <a:prstDash val="solid"/>
+            <a:round/>
+            <a:headEnd len="sm" w="sm" type="none"/>
+            <a:tailEnd len="sm" w="sm" type="none"/>
+          </a:ln>
+        </p:spPr>
+      </p:pic>
+      <p:pic>
+        <p:nvPicPr>
+          <p:cNvPr id="86" name="Google Shape;86;p1"/>
+          <p:cNvPicPr preferRelativeResize="0"/>
+          <p:nvPr/>
+        </p:nvPicPr>
+        <p:blipFill>
+          <a:blip r:embed="rId10">
+            <a:alphaModFix/>
+          </a:blip>
+          <a:stretch>
+            <a:fillRect/>
+          </a:stretch>
+        </p:blipFill>
+        <p:spPr>
+          <a:xfrm>
+            <a:off x="6020375" y="23778438"/>
+            <a:ext cx="8797425" cy="2386850"/>
+          </a:xfrm>
+          <a:prstGeom prst="rect">
+            <a:avLst/>
+          </a:prstGeom>
+          <a:noFill/>
+          <a:ln cap="flat" cmpd="sng" w="38100">
+            <a:solidFill>
+              <a:schemeClr val="accent1"/>
+            </a:solidFill>
+            <a:prstDash val="solid"/>
+            <a:round/>
+            <a:headEnd len="sm" w="sm" type="none"/>
+            <a:tailEnd len="sm" w="sm" type="none"/>
+          </a:ln>
+        </p:spPr>
+      </p:pic>
+      <p:sp>
+        <p:nvSpPr>
+          <p:cNvPr id="87" name="Google Shape;87;p1"/>
+          <p:cNvSpPr txBox="1"/>
+          <p:nvPr>
+            <p:ph idx="7" type="body"/>
+          </p:nvPr>
+        </p:nvSpPr>
+        <p:spPr>
+          <a:xfrm>
+            <a:off x="15529666" y="23701166"/>
+            <a:ext cx="14289300" cy="1745100"/>
+          </a:xfrm>
+          <a:prstGeom prst="rect">
+            <a:avLst/>
+          </a:prstGeom>
+          <a:noFill/>
+          <a:ln>
+            <a:noFill/>
+          </a:ln>
+        </p:spPr>
+        <p:txBody>
+          <a:bodyPr anchorCtr="0" anchor="t" bIns="223875" lIns="223875" spcFirstLastPara="1" rIns="223875" wrap="square" tIns="223875">
+            <a:spAutoFit/>
+          </a:bodyPr>
+          <a:lstStyle/>
+          <a:p>
+            <a:pPr indent="0" lvl="0" marL="0" rtl="0" algn="l">
+              <a:spcBef>
+                <a:spcPts val="0"/>
+              </a:spcBef>
+              <a:spcAft>
+                <a:spcPts val="0"/>
+              </a:spcAft>
+              <a:buClr>
+                <a:srgbClr val="3F2F28"/>
+              </a:buClr>
+              <a:buSzPts val="2800"/>
+              <a:buNone/>
+            </a:pPr>
+            <a:r>
+              <a:rPr lang="en-US"/>
+              <a:t>Пользователь зарегистрирован, однако биотерминал не распознавал его как зарегистрированного пользователя, выдавая ошибки следующего содержания. Эта проблема отняла больше времени, но ее тоже удалось решить.</a:t>
+            </a:r>
+            <a:endParaRPr/>
+          </a:p>
+        </p:txBody>
+      </p:sp>
+      <p:pic>
+        <p:nvPicPr>
+          <p:cNvPr id="88" name="Google Shape;88;p1"/>
+          <p:cNvPicPr preferRelativeResize="0"/>
+          <p:nvPr/>
+        </p:nvPicPr>
+        <p:blipFill>
+          <a:blip r:embed="rId11">
+            <a:alphaModFix/>
+          </a:blip>
+          <a:stretch>
+            <a:fillRect/>
+          </a:stretch>
+        </p:blipFill>
+        <p:spPr>
+          <a:xfrm>
+            <a:off x="17480750" y="19480575"/>
+            <a:ext cx="9340298" cy="4217725"/>
+          </a:xfrm>
+          <a:prstGeom prst="rect">
+            <a:avLst/>
+          </a:prstGeom>
+          <a:noFill/>
+          <a:ln cap="flat" cmpd="sng" w="38100">
+            <a:solidFill>
+              <a:schemeClr val="accent1"/>
+            </a:solidFill>
+            <a:prstDash val="solid"/>
+            <a:round/>
+            <a:headEnd len="sm" w="sm" type="none"/>
+            <a:tailEnd len="sm" w="sm" type="none"/>
+          </a:ln>
+        </p:spPr>
+      </p:pic>
+      <p:pic>
+        <p:nvPicPr>
+          <p:cNvPr id="89" name="Google Shape;89;p1"/>
+          <p:cNvPicPr preferRelativeResize="0"/>
+          <p:nvPr/>
+        </p:nvPicPr>
+        <p:blipFill>
+          <a:blip r:embed="rId12">
+            <a:alphaModFix/>
+          </a:blip>
+          <a:stretch>
+            <a:fillRect/>
+          </a:stretch>
+        </p:blipFill>
+        <p:spPr>
+          <a:xfrm>
+            <a:off x="15612818" y="25378000"/>
+            <a:ext cx="8014507" cy="4508149"/>
+          </a:xfrm>
+          <a:prstGeom prst="rect">
+            <a:avLst/>
+          </a:prstGeom>
+          <a:noFill/>
+          <a:ln cap="flat" cmpd="sng" w="38100">
+            <a:solidFill>
+              <a:schemeClr val="accent1"/>
+            </a:solidFill>
+            <a:prstDash val="solid"/>
+            <a:round/>
+            <a:headEnd len="sm" w="sm" type="none"/>
+            <a:tailEnd len="sm" w="sm" type="none"/>
+          </a:ln>
+        </p:spPr>
+      </p:pic>
+      <p:pic>
+        <p:nvPicPr>
+          <p:cNvPr id="90" name="Google Shape;90;p1"/>
+          <p:cNvPicPr preferRelativeResize="0"/>
+          <p:nvPr/>
+        </p:nvPicPr>
+        <p:blipFill>
+          <a:blip r:embed="rId13">
+            <a:alphaModFix/>
+          </a:blip>
+          <a:stretch>
+            <a:fillRect/>
+          </a:stretch>
+        </p:blipFill>
+        <p:spPr>
+          <a:xfrm>
+            <a:off x="25015628" y="25378000"/>
+            <a:ext cx="3931824" cy="5242451"/>
+          </a:xfrm>
+          <a:prstGeom prst="rect">
+            <a:avLst/>
+          </a:prstGeom>
+          <a:noFill/>
+          <a:ln cap="flat" cmpd="sng" w="38100">
+            <a:solidFill>
+              <a:schemeClr val="accent1"/>
+            </a:solidFill>
+            <a:prstDash val="solid"/>
+            <a:round/>
+            <a:headEnd len="sm" w="sm" type="none"/>
+            <a:tailEnd len="sm" w="sm" type="none"/>
           </a:ln>
         </p:spPr>
       </p:pic>
@@ -14527,7 +14781,7 @@
 </file>
 
 <file path=ppt/theme/theme2.xml><?xml version="1.0" encoding="utf-8"?>
-<a:theme xmlns:a="http://schemas.openxmlformats.org/drawingml/2006/main" xmlns:r="http://schemas.openxmlformats.org/officeDocument/2006/relationships" name="100CMx140CM template">
+<a:theme xmlns:a="http://schemas.openxmlformats.org/drawingml/2006/main" xmlns:r="http://schemas.openxmlformats.org/officeDocument/2006/relationships" name="Without guides">
   <a:themeElements>
     <a:clrScheme name="Red">
       <a:dk1>
@@ -14806,7 +15060,7 @@
 </file>
 
 <file path=ppt/theme/theme3.xml><?xml version="1.0" encoding="utf-8"?>
-<a:theme xmlns:a="http://schemas.openxmlformats.org/drawingml/2006/main" xmlns:r="http://schemas.openxmlformats.org/officeDocument/2006/relationships" name="Without guides">
+<a:theme xmlns:a="http://schemas.openxmlformats.org/drawingml/2006/main" xmlns:r="http://schemas.openxmlformats.org/officeDocument/2006/relationships" name="100CMx140CM template">
   <a:themeElements>
     <a:clrScheme name="Red">
       <a:dk1>
